--- a/Spectral-clustering/Tutorial and Examples/Spectral-clustering.pptx
+++ b/Spectral-clustering/Tutorial and Examples/Spectral-clustering.pptx
@@ -3472,10 +3472,18 @@
           <a:lstStyle/>
           <a:p>
             <a:r>
-              <a:rPr lang="en-US" altLang="en-US" smtClean="0"/>
-              <a:t>CSE 881: Data Mining</a:t>
-            </a:r>
-            <a:endParaRPr lang="en-US" altLang="en-US" sz="2800" smtClean="0"/>
+              <a:rPr lang="en-US" altLang="en-US" dirty="0" smtClean="0"/>
+              <a:t>Data Mining	                      </a:t>
+            </a:r>
+            <a:r>
+              <a:rPr lang="en-US" sz="2800" dirty="0" smtClean="0"/>
+              <a:t>Pang-Ning </a:t>
+            </a:r>
+            <a:r>
+              <a:rPr lang="en-US" sz="2800" dirty="0"/>
+              <a:t>Tan</a:t>
+            </a:r>
+            <a:endParaRPr lang="en-US" altLang="en-US" sz="2800" dirty="0" smtClean="0"/>
           </a:p>
         </p:txBody>
       </p:sp>
@@ -3716,7 +3724,7 @@
           <a:graphicData uri="http://schemas.openxmlformats.org/presentationml/2006/ole">
             <mc:AlternateContent xmlns:mc="http://schemas.openxmlformats.org/markup-compatibility/2006">
               <mc:Choice xmlns:v="urn:schemas-microsoft-com:vml" Requires="v">
-                <p:oleObj spid="_x0000_s11269" name="Equation" r:id="rId3" imgW="1562100" imgH="635000" progId="Equation.3">
+                <p:oleObj spid="_x0000_s11270" name="Equation" r:id="rId3" imgW="1562100" imgH="635000" progId="Equation.3">
                   <p:embed/>
                 </p:oleObj>
               </mc:Choice>
@@ -3842,7 +3850,7 @@
           <a:graphicData uri="http://schemas.openxmlformats.org/presentationml/2006/ole">
             <mc:AlternateContent xmlns:mc="http://schemas.openxmlformats.org/markup-compatibility/2006">
               <mc:Choice xmlns:v="urn:schemas-microsoft-com:vml" Requires="v">
-                <p:oleObj spid="_x0000_s12296" name="Equation" r:id="rId3" imgW="1625600" imgH="1371600" progId="Equation.3">
+                <p:oleObj spid="_x0000_s12299" name="Equation" r:id="rId3" imgW="1625600" imgH="1371600" progId="Equation.3">
                   <p:embed/>
                 </p:oleObj>
               </mc:Choice>
@@ -4769,7 +4777,7 @@
           <a:graphicData uri="http://schemas.openxmlformats.org/presentationml/2006/ole">
             <mc:AlternateContent xmlns:mc="http://schemas.openxmlformats.org/markup-compatibility/2006">
               <mc:Choice xmlns:v="urn:schemas-microsoft-com:vml" Requires="v">
-                <p:oleObj spid="_x0000_s12297" name="Equation" r:id="rId5" imgW="1562100" imgH="635000" progId="Equation.3">
+                <p:oleObj spid="_x0000_s12300" name="Equation" r:id="rId5" imgW="1562100" imgH="635000" progId="Equation.3">
                   <p:embed/>
                 </p:oleObj>
               </mc:Choice>
@@ -4839,7 +4847,7 @@
           <a:graphicData uri="http://schemas.openxmlformats.org/presentationml/2006/ole">
             <mc:AlternateContent xmlns:mc="http://schemas.openxmlformats.org/markup-compatibility/2006">
               <mc:Choice xmlns:v="urn:schemas-microsoft-com:vml" Requires="v">
-                <p:oleObj spid="_x0000_s12298" name="Equation" r:id="rId7" imgW="1612900" imgH="1371600" progId="Equation.3">
+                <p:oleObj spid="_x0000_s12301" name="Equation" r:id="rId7" imgW="1612900" imgH="1371600" progId="Equation.3">
                   <p:embed/>
                 </p:oleObj>
               </mc:Choice>
@@ -5468,7 +5476,7 @@
           <a:graphicData uri="http://schemas.openxmlformats.org/presentationml/2006/ole">
             <mc:AlternateContent xmlns:mc="http://schemas.openxmlformats.org/markup-compatibility/2006">
               <mc:Choice xmlns:v="urn:schemas-microsoft-com:vml" Requires="v">
-                <p:oleObj spid="_x0000_s13321" name="Equation" r:id="rId3" imgW="1625600" imgH="1371600" progId="Equation.3">
+                <p:oleObj spid="_x0000_s13324" name="Equation" r:id="rId3" imgW="1625600" imgH="1371600" progId="Equation.3">
                   <p:embed/>
                 </p:oleObj>
               </mc:Choice>
@@ -6482,7 +6490,7 @@
           <a:graphicData uri="http://schemas.openxmlformats.org/presentationml/2006/ole">
             <mc:AlternateContent xmlns:mc="http://schemas.openxmlformats.org/markup-compatibility/2006">
               <mc:Choice xmlns:v="urn:schemas-microsoft-com:vml" Requires="v">
-                <p:oleObj spid="_x0000_s13322" name="Equation" r:id="rId5" imgW="1333500" imgH="203200" progId="Equation.3">
+                <p:oleObj spid="_x0000_s13325" name="Equation" r:id="rId5" imgW="1333500" imgH="203200" progId="Equation.3">
                   <p:embed/>
                 </p:oleObj>
               </mc:Choice>
@@ -6552,7 +6560,7 @@
           <a:graphicData uri="http://schemas.openxmlformats.org/presentationml/2006/ole">
             <mc:AlternateContent xmlns:mc="http://schemas.openxmlformats.org/markup-compatibility/2006">
               <mc:Choice xmlns:v="urn:schemas-microsoft-com:vml" Requires="v">
-                <p:oleObj spid="_x0000_s13323" name="Equation" r:id="rId7" imgW="2082800" imgH="1371600" progId="Equation.3">
+                <p:oleObj spid="_x0000_s13326" name="Equation" r:id="rId7" imgW="2082800" imgH="1371600" progId="Equation.3">
                   <p:embed/>
                 </p:oleObj>
               </mc:Choice>
@@ -7137,7 +7145,7 @@
           <a:graphicData uri="http://schemas.openxmlformats.org/presentationml/2006/ole">
             <mc:AlternateContent xmlns:mc="http://schemas.openxmlformats.org/markup-compatibility/2006">
               <mc:Choice xmlns:v="urn:schemas-microsoft-com:vml" Requires="v">
-                <p:oleObj spid="_x0000_s14341" name="Equation" r:id="rId3" imgW="3276600" imgH="1574800" progId="Equation.3">
+                <p:oleObj spid="_x0000_s14342" name="Equation" r:id="rId3" imgW="3276600" imgH="1574800" progId="Equation.3">
                   <p:embed/>
                 </p:oleObj>
               </mc:Choice>
@@ -7263,7 +7271,7 @@
           <a:graphicData uri="http://schemas.openxmlformats.org/presentationml/2006/ole">
             <mc:AlternateContent xmlns:mc="http://schemas.openxmlformats.org/markup-compatibility/2006">
               <mc:Choice xmlns:v="urn:schemas-microsoft-com:vml" Requires="v">
-                <p:oleObj spid="_x0000_s15364" name="Equation" r:id="rId3" imgW="4356100" imgH="2387600" progId="Equation.3">
+                <p:oleObj spid="_x0000_s15365" name="Equation" r:id="rId3" imgW="4356100" imgH="2387600" progId="Equation.3">
                   <p:embed/>
                 </p:oleObj>
               </mc:Choice>
@@ -7470,7 +7478,7 @@
           <a:graphicData uri="http://schemas.openxmlformats.org/presentationml/2006/ole">
             <mc:AlternateContent xmlns:mc="http://schemas.openxmlformats.org/markup-compatibility/2006">
               <mc:Choice xmlns:v="urn:schemas-microsoft-com:vml" Requires="v">
-                <p:oleObj spid="_x0000_s16389" name="Equation" r:id="rId3" imgW="1943100" imgH="889000" progId="Equation.3">
+                <p:oleObj spid="_x0000_s16390" name="Equation" r:id="rId3" imgW="1943100" imgH="889000" progId="Equation.3">
                   <p:embed/>
                 </p:oleObj>
               </mc:Choice>
@@ -7645,7 +7653,7 @@
           <a:graphicData uri="http://schemas.openxmlformats.org/presentationml/2006/ole">
             <mc:AlternateContent xmlns:mc="http://schemas.openxmlformats.org/markup-compatibility/2006">
               <mc:Choice xmlns:v="urn:schemas-microsoft-com:vml" Requires="v">
-                <p:oleObj spid="_x0000_s17414" name="Equation" r:id="rId3" imgW="1371600" imgH="939800" progId="Equation.3">
+                <p:oleObj spid="_x0000_s17416" name="Equation" r:id="rId3" imgW="1371600" imgH="939800" progId="Equation.3">
                   <p:embed/>
                 </p:oleObj>
               </mc:Choice>
@@ -7717,7 +7725,7 @@
           <a:graphicData uri="http://schemas.openxmlformats.org/presentationml/2006/ole">
             <mc:AlternateContent xmlns:mc="http://schemas.openxmlformats.org/markup-compatibility/2006">
               <mc:Choice xmlns:v="urn:schemas-microsoft-com:vml" Requires="v">
-                <p:oleObj spid="_x0000_s17415" name="Equation" r:id="rId5" imgW="990600" imgH="1371600" progId="Equation.3">
+                <p:oleObj spid="_x0000_s17417" name="Equation" r:id="rId5" imgW="990600" imgH="1371600" progId="Equation.3">
                   <p:embed/>
                 </p:oleObj>
               </mc:Choice>
@@ -7945,7 +7953,7 @@
             <a:graphicData uri="http://schemas.openxmlformats.org/presentationml/2006/ole">
               <mc:AlternateContent xmlns:mc="http://schemas.openxmlformats.org/markup-compatibility/2006">
                 <mc:Choice xmlns:v="urn:schemas-microsoft-com:vml" Requires="v">
-                  <p:oleObj spid="_x0000_s18468" name="Equation" r:id="rId3" imgW="1625600" imgH="1371600" progId="Equation.3">
+                  <p:oleObj spid="_x0000_s18471" name="Equation" r:id="rId3" imgW="1625600" imgH="1371600" progId="Equation.3">
                     <p:embed/>
                   </p:oleObj>
                 </mc:Choice>
@@ -8144,7 +8152,7 @@
             <a:graphicData uri="http://schemas.openxmlformats.org/presentationml/2006/ole">
               <mc:AlternateContent xmlns:mc="http://schemas.openxmlformats.org/markup-compatibility/2006">
                 <mc:Choice xmlns:v="urn:schemas-microsoft-com:vml" Requires="v">
-                  <p:oleObj spid="_x0000_s18469" name="Equation" r:id="rId5" imgW="3263900" imgH="1371600" progId="Equation.3">
+                  <p:oleObj spid="_x0000_s18472" name="Equation" r:id="rId5" imgW="3263900" imgH="1371600" progId="Equation.3">
                     <p:embed/>
                   </p:oleObj>
                 </mc:Choice>
@@ -9098,7 +9106,7 @@
           <a:graphicData uri="http://schemas.openxmlformats.org/presentationml/2006/ole">
             <mc:AlternateContent xmlns:mc="http://schemas.openxmlformats.org/markup-compatibility/2006">
               <mc:Choice xmlns:v="urn:schemas-microsoft-com:vml" Requires="v">
-                <p:oleObj spid="_x0000_s18470" name="Equation" r:id="rId7" imgW="2082800" imgH="1371600" progId="Equation.3">
+                <p:oleObj spid="_x0000_s18473" name="Equation" r:id="rId7" imgW="2082800" imgH="1371600" progId="Equation.3">
                   <p:embed/>
                 </p:oleObj>
               </mc:Choice>
@@ -9672,7 +9680,7 @@
             <a:graphicData uri="http://schemas.openxmlformats.org/presentationml/2006/ole">
               <mc:AlternateContent xmlns:mc="http://schemas.openxmlformats.org/markup-compatibility/2006">
                 <mc:Choice xmlns:v="urn:schemas-microsoft-com:vml" Requires="v">
-                  <p:oleObj spid="_x0000_s19490" name="Equation" r:id="rId3" imgW="1625600" imgH="1371600" progId="Equation.3">
+                  <p:oleObj spid="_x0000_s19492" name="Equation" r:id="rId3" imgW="1625600" imgH="1371600" progId="Equation.3">
                     <p:embed/>
                   </p:oleObj>
                 </mc:Choice>
@@ -10011,7 +10019,7 @@
             <a:graphicData uri="http://schemas.openxmlformats.org/presentationml/2006/ole">
               <mc:AlternateContent xmlns:mc="http://schemas.openxmlformats.org/markup-compatibility/2006">
                 <mc:Choice xmlns:v="urn:schemas-microsoft-com:vml" Requires="v">
-                  <p:oleObj spid="_x0000_s19491" name="Equation" r:id="rId5" imgW="3263900" imgH="1371600" progId="Equation.3">
+                  <p:oleObj spid="_x0000_s19493" name="Equation" r:id="rId5" imgW="3263900" imgH="1371600" progId="Equation.3">
                     <p:embed/>
                   </p:oleObj>
                 </mc:Choice>
@@ -11098,7 +11106,7 @@
           <a:graphicData uri="http://schemas.openxmlformats.org/presentationml/2006/ole">
             <mc:AlternateContent xmlns:mc="http://schemas.openxmlformats.org/markup-compatibility/2006">
               <mc:Choice xmlns:v="urn:schemas-microsoft-com:vml" Requires="v">
-                <p:oleObj spid="_x0000_s20486" name="Equation" r:id="rId3" imgW="1625600" imgH="1371600" progId="Equation.3">
+                <p:oleObj spid="_x0000_s20489" name="Equation" r:id="rId3" imgW="1625600" imgH="1371600" progId="Equation.3">
                   <p:embed/>
                 </p:oleObj>
               </mc:Choice>
@@ -11168,7 +11176,7 @@
           <a:graphicData uri="http://schemas.openxmlformats.org/presentationml/2006/ole">
             <mc:AlternateContent xmlns:mc="http://schemas.openxmlformats.org/markup-compatibility/2006">
               <mc:Choice xmlns:v="urn:schemas-microsoft-com:vml" Requires="v">
-                <p:oleObj spid="_x0000_s20487" name="Equation" r:id="rId5" imgW="1333500" imgH="203200" progId="Equation.3">
+                <p:oleObj spid="_x0000_s20490" name="Equation" r:id="rId5" imgW="1333500" imgH="203200" progId="Equation.3">
                   <p:embed/>
                 </p:oleObj>
               </mc:Choice>
@@ -11238,7 +11246,7 @@
           <a:graphicData uri="http://schemas.openxmlformats.org/presentationml/2006/ole">
             <mc:AlternateContent xmlns:mc="http://schemas.openxmlformats.org/markup-compatibility/2006">
               <mc:Choice xmlns:v="urn:schemas-microsoft-com:vml" Requires="v">
-                <p:oleObj spid="_x0000_s20488" name="Equation" r:id="rId7" imgW="2082800" imgH="1371600" progId="Equation.3">
+                <p:oleObj spid="_x0000_s20491" name="Equation" r:id="rId7" imgW="2082800" imgH="1371600" progId="Equation.3">
                   <p:embed/>
                 </p:oleObj>
               </mc:Choice>
@@ -12831,7 +12839,7 @@
           <a:graphicData uri="http://schemas.openxmlformats.org/presentationml/2006/ole">
             <mc:AlternateContent xmlns:mc="http://schemas.openxmlformats.org/markup-compatibility/2006">
               <mc:Choice xmlns:v="urn:schemas-microsoft-com:vml" Requires="v">
-                <p:oleObj spid="_x0000_s21510" name="Equation" r:id="rId3" imgW="2082800" imgH="1371600" progId="Equation.3">
+                <p:oleObj spid="_x0000_s21513" name="Equation" r:id="rId3" imgW="2082800" imgH="1371600" progId="Equation.3">
                   <p:embed/>
                 </p:oleObj>
               </mc:Choice>
@@ -12903,7 +12911,7 @@
           <a:graphicData uri="http://schemas.openxmlformats.org/presentationml/2006/ole">
             <mc:AlternateContent xmlns:mc="http://schemas.openxmlformats.org/markup-compatibility/2006">
               <mc:Choice xmlns:v="urn:schemas-microsoft-com:vml" Requires="v">
-                <p:oleObj spid="_x0000_s21511" name="Equation" r:id="rId5" imgW="3276600" imgH="1371600" progId="Equation.3">
+                <p:oleObj spid="_x0000_s21514" name="Equation" r:id="rId5" imgW="3276600" imgH="1371600" progId="Equation.3">
                   <p:embed/>
                 </p:oleObj>
               </mc:Choice>
@@ -12975,7 +12983,7 @@
           <a:graphicData uri="http://schemas.openxmlformats.org/presentationml/2006/ole">
             <mc:AlternateContent xmlns:mc="http://schemas.openxmlformats.org/markup-compatibility/2006">
               <mc:Choice xmlns:v="urn:schemas-microsoft-com:vml" Requires="v">
-                <p:oleObj spid="_x0000_s21512" name="Equation" r:id="rId7" imgW="1981200" imgH="1371600" progId="Equation.3">
+                <p:oleObj spid="_x0000_s21515" name="Equation" r:id="rId7" imgW="1981200" imgH="1371600" progId="Equation.3">
                   <p:embed/>
                 </p:oleObj>
               </mc:Choice>
@@ -15087,7 +15095,7 @@
             <a:graphicData uri="http://schemas.openxmlformats.org/presentationml/2006/ole">
               <mc:AlternateContent xmlns:mc="http://schemas.openxmlformats.org/markup-compatibility/2006">
                 <mc:Choice xmlns:v="urn:schemas-microsoft-com:vml" Requires="v">
-                  <p:oleObj spid="_x0000_s22543" name="Equation" r:id="rId3" imgW="3594100" imgH="2057400" progId="Equation.3">
+                  <p:oleObj spid="_x0000_s22544" name="Equation" r:id="rId3" imgW="3594100" imgH="2057400" progId="Equation.3">
                     <p:embed/>
                   </p:oleObj>
                 </mc:Choice>
@@ -16025,7 +16033,7 @@
           <a:graphicData uri="http://schemas.openxmlformats.org/presentationml/2006/ole">
             <mc:AlternateContent xmlns:mc="http://schemas.openxmlformats.org/markup-compatibility/2006">
               <mc:Choice xmlns:v="urn:schemas-microsoft-com:vml" Requires="v">
-                <p:oleObj spid="_x0000_s25605" name="Equation" r:id="rId3" imgW="3022600" imgH="1854200" progId="Equation.3">
+                <p:oleObj spid="_x0000_s25606" name="Equation" r:id="rId3" imgW="3022600" imgH="1854200" progId="Equation.3">
                   <p:embed/>
                 </p:oleObj>
               </mc:Choice>
@@ -16318,7 +16326,7 @@
           <a:graphicData uri="http://schemas.openxmlformats.org/presentationml/2006/ole">
             <mc:AlternateContent xmlns:mc="http://schemas.openxmlformats.org/markup-compatibility/2006">
               <mc:Choice xmlns:v="urn:schemas-microsoft-com:vml" Requires="v">
-                <p:oleObj spid="_x0000_s26630" name="Equation" r:id="rId3" imgW="1777229" imgH="812447" progId="Equation.3">
+                <p:oleObj spid="_x0000_s26632" name="Equation" r:id="rId3" imgW="1777229" imgH="812447" progId="Equation.3">
                   <p:embed/>
                 </p:oleObj>
               </mc:Choice>
@@ -16390,7 +16398,7 @@
           <a:graphicData uri="http://schemas.openxmlformats.org/presentationml/2006/ole">
             <mc:AlternateContent xmlns:mc="http://schemas.openxmlformats.org/markup-compatibility/2006">
               <mc:Choice xmlns:v="urn:schemas-microsoft-com:vml" Requires="v">
-                <p:oleObj spid="_x0000_s26631" name="Equation" r:id="rId5" imgW="1866900" imgH="228600" progId="Equation.3">
+                <p:oleObj spid="_x0000_s26633" name="Equation" r:id="rId5" imgW="1866900" imgH="228600" progId="Equation.3">
                   <p:embed/>
                 </p:oleObj>
               </mc:Choice>
@@ -16634,7 +16642,7 @@
           <a:graphicData uri="http://schemas.openxmlformats.org/presentationml/2006/ole">
             <mc:AlternateContent xmlns:mc="http://schemas.openxmlformats.org/markup-compatibility/2006">
               <mc:Choice xmlns:v="urn:schemas-microsoft-com:vml" Requires="v">
-                <p:oleObj spid="_x0000_s27654" name="Equation" r:id="rId3" imgW="622030" imgH="291973" progId="Equation.3">
+                <p:oleObj spid="_x0000_s27656" name="Equation" r:id="rId3" imgW="622030" imgH="291973" progId="Equation.3">
                   <p:embed/>
                 </p:oleObj>
               </mc:Choice>
@@ -16706,7 +16714,7 @@
           <a:graphicData uri="http://schemas.openxmlformats.org/presentationml/2006/ole">
             <mc:AlternateContent xmlns:mc="http://schemas.openxmlformats.org/markup-compatibility/2006">
               <mc:Choice xmlns:v="urn:schemas-microsoft-com:vml" Requires="v">
-                <p:oleObj spid="_x0000_s27655" name="Equation" r:id="rId5" imgW="4064000" imgH="965200" progId="Equation.3">
+                <p:oleObj spid="_x0000_s27657" name="Equation" r:id="rId5" imgW="4064000" imgH="965200" progId="Equation.3">
                   <p:embed/>
                 </p:oleObj>
               </mc:Choice>
@@ -16942,7 +16950,7 @@
           <a:graphicData uri="http://schemas.openxmlformats.org/presentationml/2006/ole">
             <mc:AlternateContent xmlns:mc="http://schemas.openxmlformats.org/markup-compatibility/2006">
               <mc:Choice xmlns:v="urn:schemas-microsoft-com:vml" Requires="v">
-                <p:oleObj spid="_x0000_s28680" name="Equation" r:id="rId3" imgW="622030" imgH="291973" progId="Equation.3">
+                <p:oleObj spid="_x0000_s28684" name="Equation" r:id="rId3" imgW="622030" imgH="291973" progId="Equation.3">
                   <p:embed/>
                 </p:oleObj>
               </mc:Choice>
@@ -17014,7 +17022,7 @@
           <a:graphicData uri="http://schemas.openxmlformats.org/presentationml/2006/ole">
             <mc:AlternateContent xmlns:mc="http://schemas.openxmlformats.org/markup-compatibility/2006">
               <mc:Choice xmlns:v="urn:schemas-microsoft-com:vml" Requires="v">
-                <p:oleObj spid="_x0000_s28681" name="Equation" r:id="rId5" imgW="1040948" imgH="228501" progId="Equation.3">
+                <p:oleObj spid="_x0000_s28685" name="Equation" r:id="rId5" imgW="1040948" imgH="228501" progId="Equation.3">
                   <p:embed/>
                 </p:oleObj>
               </mc:Choice>
@@ -17084,7 +17092,7 @@
           <a:graphicData uri="http://schemas.openxmlformats.org/presentationml/2006/ole">
             <mc:AlternateContent xmlns:mc="http://schemas.openxmlformats.org/markup-compatibility/2006">
               <mc:Choice xmlns:v="urn:schemas-microsoft-com:vml" Requires="v">
-                <p:oleObj spid="_x0000_s28682" name="Equation" r:id="rId7" imgW="1764534" imgH="634725" progId="Equation.3">
+                <p:oleObj spid="_x0000_s28686" name="Equation" r:id="rId7" imgW="1764534" imgH="634725" progId="Equation.3">
                   <p:embed/>
                 </p:oleObj>
               </mc:Choice>
@@ -17154,7 +17162,7 @@
           <a:graphicData uri="http://schemas.openxmlformats.org/presentationml/2006/ole">
             <mc:AlternateContent xmlns:mc="http://schemas.openxmlformats.org/markup-compatibility/2006">
               <mc:Choice xmlns:v="urn:schemas-microsoft-com:vml" Requires="v">
-                <p:oleObj spid="_x0000_s28683" name="Equation" r:id="rId9" imgW="1777229" imgH="812447" progId="Equation.3">
+                <p:oleObj spid="_x0000_s28687" name="Equation" r:id="rId9" imgW="1777229" imgH="812447" progId="Equation.3">
                   <p:embed/>
                 </p:oleObj>
               </mc:Choice>
@@ -17532,7 +17540,7 @@
           <a:graphicData uri="http://schemas.openxmlformats.org/presentationml/2006/ole">
             <mc:AlternateContent xmlns:mc="http://schemas.openxmlformats.org/markup-compatibility/2006">
               <mc:Choice xmlns:v="urn:schemas-microsoft-com:vml" Requires="v">
-                <p:oleObj spid="_x0000_s29701" name="Equation" r:id="rId3" imgW="1841500" imgH="292100" progId="Equation.3">
+                <p:oleObj spid="_x0000_s29702" name="Equation" r:id="rId3" imgW="1841500" imgH="292100" progId="Equation.3">
                   <p:embed/>
                 </p:oleObj>
               </mc:Choice>
@@ -18216,7 +18224,7 @@
           <a:graphicData uri="http://schemas.openxmlformats.org/presentationml/2006/ole">
             <mc:AlternateContent xmlns:mc="http://schemas.openxmlformats.org/markup-compatibility/2006">
               <mc:Choice xmlns:v="urn:schemas-microsoft-com:vml" Requires="v">
-                <p:oleObj spid="_x0000_s5125" name="Equation" r:id="rId3" imgW="1206500" imgH="482600" progId="Equation.3">
+                <p:oleObj spid="_x0000_s5126" name="Equation" r:id="rId3" imgW="1206500" imgH="482600" progId="Equation.3">
                   <p:embed/>
                 </p:oleObj>
               </mc:Choice>
@@ -21645,7 +21653,7 @@
           <a:graphicData uri="http://schemas.openxmlformats.org/presentationml/2006/ole">
             <mc:AlternateContent xmlns:mc="http://schemas.openxmlformats.org/markup-compatibility/2006">
               <mc:Choice xmlns:v="urn:schemas-microsoft-com:vml" Requires="v">
-                <p:oleObj spid="_x0000_s7173" name="Equation" r:id="rId3" imgW="3022600" imgH="1384300" progId="Equation.3">
+                <p:oleObj spid="_x0000_s7174" name="Equation" r:id="rId3" imgW="3022600" imgH="1384300" progId="Equation.3">
                   <p:embed/>
                 </p:oleObj>
               </mc:Choice>
